--- a/Software Metrics Group1.pptx
+++ b/Software Metrics Group1.pptx
@@ -4376,10 +4376,10 @@
       </p:grpSpPr>
       <p:pic>
         <p:nvPicPr>
-          <p:cNvPr id="5" name="Content Placeholder 4">
+          <p:cNvPr id="8" name="Content Placeholder 7">
             <a:extLst>
               <a:ext uri="{FF2B5EF4-FFF2-40B4-BE49-F238E27FC236}">
-                <a16:creationId xmlns:a16="http://schemas.microsoft.com/office/drawing/2014/main" id="{79B11858-4BB8-405F-AA50-D7A92064CE12}"/>
+                <a16:creationId xmlns:a16="http://schemas.microsoft.com/office/drawing/2014/main" id="{1FAAF062-F8A9-4315-90E6-4940412513D5}"/>
               </a:ext>
             </a:extLst>
           </p:cNvPr>
@@ -4390,16 +4390,15 @@
             <p:ph idx="1"/>
           </p:nvPr>
         </p:nvPicPr>
-        <p:blipFill>
+        <p:blipFill rotWithShape="1">
           <a:blip r:embed="rId2"/>
-          <a:stretch>
-            <a:fillRect/>
-          </a:stretch>
+          <a:srcRect t="13876" r="857"/>
+          <a:stretch/>
         </p:blipFill>
         <p:spPr>
           <a:xfrm>
-            <a:off x="0" y="622185"/>
-            <a:ext cx="12192000" cy="5613629"/>
+            <a:off x="-215" y="550402"/>
+            <a:ext cx="12192215" cy="5626562"/>
           </a:xfrm>
         </p:spPr>
       </p:pic>
